--- a/Proiect CN ALU.pptx
+++ b/Proiect CN ALU.pptx
@@ -8,7 +8,7 @@
     <p:sldId id="256" r:id="rId2"/>
     <p:sldId id="258" r:id="rId3"/>
     <p:sldId id="257" r:id="rId4"/>
-    <p:sldId id="259" r:id="rId5"/>
+    <p:sldId id="262" r:id="rId5"/>
     <p:sldId id="260" r:id="rId6"/>
     <p:sldId id="261" r:id="rId7"/>
   </p:sldIdLst>
@@ -109,6 +109,11 @@
       </a:defRPr>
     </a:lvl9pPr>
   </p:defaultTextStyle>
+  <p:extLst>
+    <p:ext uri="{EFAFB233-063F-42B5-8137-9DF3F51BA10A}">
+      <p15:sldGuideLst xmlns:p15="http://schemas.microsoft.com/office/powerpoint/2012/main"/>
+    </p:ext>
+  </p:extLst>
 </p:presentation>
 </file>
 
@@ -243,7 +248,7 @@
           <a:p>
             <a:fld id="{81E85F0E-7752-4629-B9A9-4D44FFEED01B}" type="datetimeFigureOut">
               <a:rPr lang="ro-RO" smtClean="0"/>
-              <a:t>30.04.2025</a:t>
+              <a:t>09.05.2025</a:t>
             </a:fld>
             <a:endParaRPr lang="ro-RO"/>
           </a:p>
@@ -413,7 +418,7 @@
           <a:p>
             <a:fld id="{81E85F0E-7752-4629-B9A9-4D44FFEED01B}" type="datetimeFigureOut">
               <a:rPr lang="ro-RO" smtClean="0"/>
-              <a:t>30.04.2025</a:t>
+              <a:t>09.05.2025</a:t>
             </a:fld>
             <a:endParaRPr lang="ro-RO"/>
           </a:p>
@@ -593,7 +598,7 @@
           <a:p>
             <a:fld id="{81E85F0E-7752-4629-B9A9-4D44FFEED01B}" type="datetimeFigureOut">
               <a:rPr lang="ro-RO" smtClean="0"/>
-              <a:t>30.04.2025</a:t>
+              <a:t>09.05.2025</a:t>
             </a:fld>
             <a:endParaRPr lang="ro-RO"/>
           </a:p>
@@ -763,7 +768,7 @@
           <a:p>
             <a:fld id="{81E85F0E-7752-4629-B9A9-4D44FFEED01B}" type="datetimeFigureOut">
               <a:rPr lang="ro-RO" smtClean="0"/>
-              <a:t>30.04.2025</a:t>
+              <a:t>09.05.2025</a:t>
             </a:fld>
             <a:endParaRPr lang="ro-RO"/>
           </a:p>
@@ -1009,7 +1014,7 @@
           <a:p>
             <a:fld id="{81E85F0E-7752-4629-B9A9-4D44FFEED01B}" type="datetimeFigureOut">
               <a:rPr lang="ro-RO" smtClean="0"/>
-              <a:t>30.04.2025</a:t>
+              <a:t>09.05.2025</a:t>
             </a:fld>
             <a:endParaRPr lang="ro-RO"/>
           </a:p>
@@ -1241,7 +1246,7 @@
           <a:p>
             <a:fld id="{81E85F0E-7752-4629-B9A9-4D44FFEED01B}" type="datetimeFigureOut">
               <a:rPr lang="ro-RO" smtClean="0"/>
-              <a:t>30.04.2025</a:t>
+              <a:t>09.05.2025</a:t>
             </a:fld>
             <a:endParaRPr lang="ro-RO"/>
           </a:p>
@@ -1608,7 +1613,7 @@
           <a:p>
             <a:fld id="{81E85F0E-7752-4629-B9A9-4D44FFEED01B}" type="datetimeFigureOut">
               <a:rPr lang="ro-RO" smtClean="0"/>
-              <a:t>30.04.2025</a:t>
+              <a:t>09.05.2025</a:t>
             </a:fld>
             <a:endParaRPr lang="ro-RO"/>
           </a:p>
@@ -1726,7 +1731,7 @@
           <a:p>
             <a:fld id="{81E85F0E-7752-4629-B9A9-4D44FFEED01B}" type="datetimeFigureOut">
               <a:rPr lang="ro-RO" smtClean="0"/>
-              <a:t>30.04.2025</a:t>
+              <a:t>09.05.2025</a:t>
             </a:fld>
             <a:endParaRPr lang="ro-RO"/>
           </a:p>
@@ -1821,7 +1826,7 @@
           <a:p>
             <a:fld id="{81E85F0E-7752-4629-B9A9-4D44FFEED01B}" type="datetimeFigureOut">
               <a:rPr lang="ro-RO" smtClean="0"/>
-              <a:t>30.04.2025</a:t>
+              <a:t>09.05.2025</a:t>
             </a:fld>
             <a:endParaRPr lang="ro-RO"/>
           </a:p>
@@ -2098,7 +2103,7 @@
           <a:p>
             <a:fld id="{81E85F0E-7752-4629-B9A9-4D44FFEED01B}" type="datetimeFigureOut">
               <a:rPr lang="ro-RO" smtClean="0"/>
-              <a:t>30.04.2025</a:t>
+              <a:t>09.05.2025</a:t>
             </a:fld>
             <a:endParaRPr lang="ro-RO"/>
           </a:p>
@@ -2355,7 +2360,7 @@
           <a:p>
             <a:fld id="{81E85F0E-7752-4629-B9A9-4D44FFEED01B}" type="datetimeFigureOut">
               <a:rPr lang="ro-RO" smtClean="0"/>
-              <a:t>30.04.2025</a:t>
+              <a:t>09.05.2025</a:t>
             </a:fld>
             <a:endParaRPr lang="ro-RO"/>
           </a:p>
@@ -2568,7 +2573,7 @@
           <a:p>
             <a:fld id="{81E85F0E-7752-4629-B9A9-4D44FFEED01B}" type="datetimeFigureOut">
               <a:rPr lang="ro-RO" smtClean="0"/>
-              <a:t>30.04.2025</a:t>
+              <a:t>09.05.2025</a:t>
             </a:fld>
             <a:endParaRPr lang="ro-RO"/>
           </a:p>
@@ -3338,12 +3343,72 @@
           <a:chExt cx="0" cy="0"/>
         </a:xfrm>
       </p:grpSpPr>
-      <p:sp>
-        <p:nvSpPr>
-          <p:cNvPr id="2" name="TextBox 1">
+      <p:pic>
+        <p:nvPicPr>
+          <p:cNvPr id="7" name="Picture 6">
             <a:extLst>
               <a:ext uri="{FF2B5EF4-FFF2-40B4-BE49-F238E27FC236}">
-                <a16:creationId xmlns:a16="http://schemas.microsoft.com/office/drawing/2014/main" id="{7E5FAD27-D4E4-5868-0371-C8648A7EC536}"/>
+                <a16:creationId xmlns:a16="http://schemas.microsoft.com/office/drawing/2014/main" id="{ED1E8AA5-908E-CEA8-4DFF-01EFE760B845}"/>
+              </a:ext>
+            </a:extLst>
+          </p:cNvPr>
+          <p:cNvPicPr>
+            <a:picLocks noChangeAspect="1"/>
+          </p:cNvPicPr>
+          <p:nvPr/>
+        </p:nvPicPr>
+        <p:blipFill>
+          <a:blip r:embed="rId2"/>
+          <a:stretch>
+            <a:fillRect/>
+          </a:stretch>
+        </p:blipFill>
+        <p:spPr>
+          <a:xfrm>
+            <a:off x="6251725" y="3815256"/>
+            <a:ext cx="2661230" cy="1969660"/>
+          </a:xfrm>
+          <a:prstGeom prst="rect">
+            <a:avLst/>
+          </a:prstGeom>
+        </p:spPr>
+      </p:pic>
+      <p:pic>
+        <p:nvPicPr>
+          <p:cNvPr id="3" name="Picture 2">
+            <a:extLst>
+              <a:ext uri="{FF2B5EF4-FFF2-40B4-BE49-F238E27FC236}">
+                <a16:creationId xmlns:a16="http://schemas.microsoft.com/office/drawing/2014/main" id="{EE079F09-06A3-EEDB-DB11-ACB1F995FCA2}"/>
+              </a:ext>
+            </a:extLst>
+          </p:cNvPr>
+          <p:cNvPicPr>
+            <a:picLocks noChangeAspect="1"/>
+          </p:cNvPicPr>
+          <p:nvPr/>
+        </p:nvPicPr>
+        <p:blipFill>
+          <a:blip r:embed="rId3"/>
+          <a:stretch>
+            <a:fillRect/>
+          </a:stretch>
+        </p:blipFill>
+        <p:spPr>
+          <a:xfrm>
+            <a:off x="0" y="488981"/>
+            <a:ext cx="9144000" cy="3152604"/>
+          </a:xfrm>
+          <a:prstGeom prst="rect">
+            <a:avLst/>
+          </a:prstGeom>
+        </p:spPr>
+      </p:pic>
+      <p:sp>
+        <p:nvSpPr>
+          <p:cNvPr id="4" name="TextBox 3">
+            <a:extLst>
+              <a:ext uri="{FF2B5EF4-FFF2-40B4-BE49-F238E27FC236}">
+                <a16:creationId xmlns:a16="http://schemas.microsoft.com/office/drawing/2014/main" id="{EF465921-F281-54E9-0C1A-DA72129377EF}"/>
               </a:ext>
             </a:extLst>
           </p:cNvPr>
@@ -3352,7 +3417,137 @@
         </p:nvSpPr>
         <p:spPr>
           <a:xfrm>
-            <a:off x="854636" y="842011"/>
+            <a:off x="231045" y="3641585"/>
+            <a:ext cx="7769956" cy="2677656"/>
+          </a:xfrm>
+          <a:prstGeom prst="rect">
+            <a:avLst/>
+          </a:prstGeom>
+          <a:noFill/>
+        </p:spPr>
+        <p:txBody>
+          <a:bodyPr wrap="square" rtlCol="0">
+            <a:spAutoFit/>
+          </a:bodyPr>
+          <a:lstStyle/>
+          <a:p>
+            <a:r>
+              <a:rPr lang="en-US" sz="2400" dirty="0" err="1">
+                <a:latin typeface="Times New Roman" panose="02020603050405020304" pitchFamily="18" charset="0"/>
+                <a:cs typeface="Times New Roman" panose="02020603050405020304" pitchFamily="18" charset="0"/>
+              </a:rPr>
+              <a:t>Sumator</a:t>
+            </a:r>
+            <a:r>
+              <a:rPr lang="ro-RO" sz="2400" dirty="0">
+                <a:latin typeface="Times New Roman" panose="02020603050405020304" pitchFamily="18" charset="0"/>
+                <a:cs typeface="Times New Roman" panose="02020603050405020304" pitchFamily="18" charset="0"/>
+              </a:rPr>
+              <a:t> RCA</a:t>
+            </a:r>
+            <a:r>
+              <a:rPr lang="en-US" sz="2400" dirty="0">
+                <a:latin typeface="Times New Roman" panose="02020603050405020304" pitchFamily="18" charset="0"/>
+                <a:cs typeface="Times New Roman" panose="02020603050405020304" pitchFamily="18" charset="0"/>
+              </a:rPr>
+              <a:t> f</a:t>
+            </a:r>
+            <a:r>
+              <a:rPr lang="ro-RO" sz="2400" dirty="0" err="1">
+                <a:latin typeface="Times New Roman" panose="02020603050405020304" pitchFamily="18" charset="0"/>
+                <a:cs typeface="Times New Roman" panose="02020603050405020304" pitchFamily="18" charset="0"/>
+              </a:rPr>
+              <a:t>ăcut</a:t>
+            </a:r>
+            <a:r>
+              <a:rPr lang="ro-RO" sz="2400" dirty="0">
+                <a:latin typeface="Times New Roman" panose="02020603050405020304" pitchFamily="18" charset="0"/>
+                <a:cs typeface="Times New Roman" panose="02020603050405020304" pitchFamily="18" charset="0"/>
+              </a:rPr>
+              <a:t> în programul Digital (</a:t>
+            </a:r>
+            <a:r>
+              <a:rPr lang="ro-RO" sz="2400" dirty="0">
+                <a:latin typeface="Times New Roman" panose="02020603050405020304" pitchFamily="18" charset="0"/>
+                <a:cs typeface="Times New Roman" panose="02020603050405020304" pitchFamily="18" charset="0"/>
+                <a:hlinkClick r:id="rId4"/>
+              </a:rPr>
+              <a:t>https://github.com/hneemann/Digital</a:t>
+            </a:r>
+            <a:r>
+              <a:rPr lang="ro-RO" sz="2400" dirty="0">
+                <a:latin typeface="Times New Roman" panose="02020603050405020304" pitchFamily="18" charset="0"/>
+                <a:cs typeface="Times New Roman" panose="02020603050405020304" pitchFamily="18" charset="0"/>
+              </a:rPr>
+              <a:t>),</a:t>
+            </a:r>
+          </a:p>
+          <a:p>
+            <a:r>
+              <a:rPr lang="ro-RO" sz="2400" dirty="0">
+                <a:latin typeface="Times New Roman" panose="02020603050405020304" pitchFamily="18" charset="0"/>
+                <a:cs typeface="Times New Roman" panose="02020603050405020304" pitchFamily="18" charset="0"/>
+              </a:rPr>
+              <a:t>format din 9 FAC-uri.</a:t>
+            </a:r>
+          </a:p>
+          <a:p>
+            <a:r>
+              <a:rPr lang="ro-RO" sz="2400" dirty="0">
+                <a:latin typeface="Times New Roman" panose="02020603050405020304" pitchFamily="18" charset="0"/>
+                <a:cs typeface="Times New Roman" panose="02020603050405020304" pitchFamily="18" charset="0"/>
+              </a:rPr>
+              <a:t>Dacă op este setat pe 0, acesta va face adunare.</a:t>
+            </a:r>
+          </a:p>
+          <a:p>
+            <a:r>
+              <a:rPr lang="ro-RO" sz="2400" dirty="0">
+                <a:latin typeface="Times New Roman" panose="02020603050405020304" pitchFamily="18" charset="0"/>
+                <a:cs typeface="Times New Roman" panose="02020603050405020304" pitchFamily="18" charset="0"/>
+              </a:rPr>
+              <a:t>Dacă op este setat pe 1, acesta va face scădere.</a:t>
+            </a:r>
+          </a:p>
+          <a:p>
+            <a:r>
+              <a:rPr lang="ro-RO" sz="2400" dirty="0">
+                <a:latin typeface="Times New Roman" panose="02020603050405020304" pitchFamily="18" charset="0"/>
+                <a:cs typeface="Times New Roman" panose="02020603050405020304" pitchFamily="18" charset="0"/>
+              </a:rPr>
+              <a:t>Are ca input-uri 2 numere pe 8 biți și op(operator).</a:t>
+            </a:r>
+          </a:p>
+          <a:p>
+            <a:r>
+              <a:rPr lang="ro-RO" sz="2400" dirty="0">
+                <a:latin typeface="Times New Roman" panose="02020603050405020304" pitchFamily="18" charset="0"/>
+                <a:cs typeface="Times New Roman" panose="02020603050405020304" pitchFamily="18" charset="0"/>
+              </a:rPr>
+              <a:t>Are ca output-uri un număr pe 9 biți.</a:t>
+            </a:r>
+            <a:endParaRPr lang="en-US" sz="2400" dirty="0">
+              <a:latin typeface="Times New Roman" panose="02020603050405020304" pitchFamily="18" charset="0"/>
+              <a:cs typeface="Times New Roman" panose="02020603050405020304" pitchFamily="18" charset="0"/>
+            </a:endParaRPr>
+          </a:p>
+        </p:txBody>
+      </p:sp>
+      <p:sp>
+        <p:nvSpPr>
+          <p:cNvPr id="5" name="TextBox 4">
+            <a:extLst>
+              <a:ext uri="{FF2B5EF4-FFF2-40B4-BE49-F238E27FC236}">
+                <a16:creationId xmlns:a16="http://schemas.microsoft.com/office/drawing/2014/main" id="{0FC2D8D5-BD54-C923-67FC-295AED474EC2}"/>
+              </a:ext>
+            </a:extLst>
+          </p:cNvPr>
+          <p:cNvSpPr txBox="1"/>
+          <p:nvPr/>
+        </p:nvSpPr>
+        <p:spPr>
+          <a:xfrm>
+            <a:off x="854636" y="85266"/>
             <a:ext cx="7434728" cy="646331"/>
           </a:xfrm>
           <a:prstGeom prst="rect">
@@ -3378,10 +3573,10 @@
       </p:sp>
       <p:sp>
         <p:nvSpPr>
-          <p:cNvPr id="3" name="TextBox 2">
+          <p:cNvPr id="8" name="TextBox 7">
             <a:extLst>
               <a:ext uri="{FF2B5EF4-FFF2-40B4-BE49-F238E27FC236}">
-                <a16:creationId xmlns:a16="http://schemas.microsoft.com/office/drawing/2014/main" id="{8CABFF3E-26C9-4B63-AB46-238330FF9B66}"/>
+                <a16:creationId xmlns:a16="http://schemas.microsoft.com/office/drawing/2014/main" id="{4B356CC5-CC42-DE52-709B-ECED2F422AEC}"/>
               </a:ext>
             </a:extLst>
           </p:cNvPr>
@@ -3390,8 +3585,8 @@
         </p:nvSpPr>
         <p:spPr>
           <a:xfrm>
-            <a:off x="1671724" y="3137558"/>
-            <a:ext cx="5800552" cy="1569660"/>
+            <a:off x="3452648" y="3174423"/>
+            <a:ext cx="1704954" cy="369332"/>
           </a:xfrm>
           <a:prstGeom prst="rect">
             <a:avLst/>
@@ -3399,36 +3594,71 @@
           <a:noFill/>
         </p:spPr>
         <p:txBody>
-          <a:bodyPr wrap="square" rtlCol="0">
+          <a:bodyPr wrap="none" rtlCol="0">
             <a:spAutoFit/>
           </a:bodyPr>
           <a:lstStyle/>
           <a:p>
-            <a:pPr algn="just"/>
-            <a:r>
-              <a:rPr lang="ro-RO" sz="2400" dirty="0">
+            <a:r>
+              <a:rPr lang="ro-RO" dirty="0">
                 <a:latin typeface="Times New Roman" panose="02020603050405020304" pitchFamily="18" charset="0"/>
                 <a:cs typeface="Times New Roman" panose="02020603050405020304" pitchFamily="18" charset="0"/>
               </a:rPr>
-              <a:t>Adunarea este implementată printr-un RCA format din 8 FAC-uri, numerotate de la 0 la 7.</a:t>
-            </a:r>
-          </a:p>
-          <a:p>
-            <a:pPr algn="just"/>
-            <a:r>
-              <a:rPr lang="ro-RO" sz="2400" dirty="0">
+              <a:t>Sumatorul RCA</a:t>
+            </a:r>
+            <a:endParaRPr lang="en-US" dirty="0">
+              <a:latin typeface="Times New Roman" panose="02020603050405020304" pitchFamily="18" charset="0"/>
+              <a:cs typeface="Times New Roman" panose="02020603050405020304" pitchFamily="18" charset="0"/>
+            </a:endParaRPr>
+          </a:p>
+        </p:txBody>
+      </p:sp>
+      <p:sp>
+        <p:nvSpPr>
+          <p:cNvPr id="9" name="TextBox 8">
+            <a:extLst>
+              <a:ext uri="{FF2B5EF4-FFF2-40B4-BE49-F238E27FC236}">
+                <a16:creationId xmlns:a16="http://schemas.microsoft.com/office/drawing/2014/main" id="{53DEB241-1C47-77E2-825B-8B2336BF5CF3}"/>
+              </a:ext>
+            </a:extLst>
+          </p:cNvPr>
+          <p:cNvSpPr txBox="1"/>
+          <p:nvPr/>
+        </p:nvSpPr>
+        <p:spPr>
+          <a:xfrm>
+            <a:off x="7582340" y="5882746"/>
+            <a:ext cx="616387" cy="369332"/>
+          </a:xfrm>
+          <a:prstGeom prst="rect">
+            <a:avLst/>
+          </a:prstGeom>
+          <a:noFill/>
+        </p:spPr>
+        <p:txBody>
+          <a:bodyPr wrap="none" rtlCol="0">
+            <a:spAutoFit/>
+          </a:bodyPr>
+          <a:lstStyle/>
+          <a:p>
+            <a:r>
+              <a:rPr lang="ro-RO" dirty="0">
                 <a:latin typeface="Times New Roman" panose="02020603050405020304" pitchFamily="18" charset="0"/>
                 <a:cs typeface="Times New Roman" panose="02020603050405020304" pitchFamily="18" charset="0"/>
               </a:rPr>
-              <a:t>La input avem 2 numere pe 8 biți, iar la output este rezultatul pe 8 biți și carry out.</a:t>
-            </a:r>
+              <a:t>FAC</a:t>
+            </a:r>
+            <a:endParaRPr lang="en-US" dirty="0">
+              <a:latin typeface="Times New Roman" panose="02020603050405020304" pitchFamily="18" charset="0"/>
+              <a:cs typeface="Times New Roman" panose="02020603050405020304" pitchFamily="18" charset="0"/>
+            </a:endParaRPr>
           </a:p>
         </p:txBody>
       </p:sp>
     </p:spTree>
     <p:extLst>
       <p:ext uri="{BB962C8B-B14F-4D97-AF65-F5344CB8AC3E}">
-        <p14:creationId xmlns:p14="http://schemas.microsoft.com/office/powerpoint/2010/main" val="2139634834"/>
+        <p14:creationId xmlns:p14="http://schemas.microsoft.com/office/powerpoint/2010/main" val="4239755219"/>
       </p:ext>
     </p:extLst>
   </p:cSld>

--- a/Proiect CN ALU.pptx
+++ b/Proiect CN ALU.pptx
@@ -3239,12 +3239,50 @@
           <a:chExt cx="0" cy="0"/>
         </a:xfrm>
       </p:grpSpPr>
+      <p:sp>
+        <p:nvSpPr>
+          <p:cNvPr id="4" name="TextBox 3">
+            <a:extLst>
+              <a:ext uri="{FF2B5EF4-FFF2-40B4-BE49-F238E27FC236}">
+                <a16:creationId xmlns:a16="http://schemas.microsoft.com/office/drawing/2014/main" id="{7F5B5782-2F5A-EBBF-934C-B85D48FE22AA}"/>
+              </a:ext>
+            </a:extLst>
+          </p:cNvPr>
+          <p:cNvSpPr txBox="1"/>
+          <p:nvPr/>
+        </p:nvSpPr>
+        <p:spPr>
+          <a:xfrm>
+            <a:off x="1476505" y="539750"/>
+            <a:ext cx="6190990" cy="646331"/>
+          </a:xfrm>
+          <a:prstGeom prst="rect">
+            <a:avLst/>
+          </a:prstGeom>
+          <a:noFill/>
+        </p:spPr>
+        <p:txBody>
+          <a:bodyPr wrap="none" rtlCol="0">
+            <a:spAutoFit/>
+          </a:bodyPr>
+          <a:lstStyle/>
+          <a:p>
+            <a:r>
+              <a:rPr lang="ro-RO" sz="3600" b="1" dirty="0">
+                <a:latin typeface="Times New Roman" panose="02020603050405020304" pitchFamily="18" charset="0"/>
+                <a:cs typeface="Times New Roman" panose="02020603050405020304" pitchFamily="18" charset="0"/>
+              </a:rPr>
+              <a:t>Diagrama de functionare ALU</a:t>
+            </a:r>
+          </a:p>
+        </p:txBody>
+      </p:sp>
       <p:pic>
         <p:nvPicPr>
-          <p:cNvPr id="3" name="Picture 2">
+          <p:cNvPr id="5" name="Picture 4" descr="A diagram of a company&#10;&#10;AI-generated content may be incorrect.">
             <a:extLst>
               <a:ext uri="{FF2B5EF4-FFF2-40B4-BE49-F238E27FC236}">
-                <a16:creationId xmlns:a16="http://schemas.microsoft.com/office/drawing/2014/main" id="{5FF0FB56-9BBF-9F8F-2A4E-3D7C74E63627}"/>
+                <a16:creationId xmlns:a16="http://schemas.microsoft.com/office/drawing/2014/main" id="{64C743FE-A8B1-0098-E3F2-C90469C90D9B}"/>
               </a:ext>
             </a:extLst>
           </p:cNvPr>
@@ -3267,52 +3305,14 @@
         </p:blipFill>
         <p:spPr>
           <a:xfrm>
-            <a:off x="1380112" y="1748723"/>
-            <a:ext cx="6383776" cy="4476273"/>
+            <a:off x="0" y="1888581"/>
+            <a:ext cx="9144000" cy="3859436"/>
           </a:xfrm>
           <a:prstGeom prst="rect">
             <a:avLst/>
           </a:prstGeom>
         </p:spPr>
       </p:pic>
-      <p:sp>
-        <p:nvSpPr>
-          <p:cNvPr id="4" name="TextBox 3">
-            <a:extLst>
-              <a:ext uri="{FF2B5EF4-FFF2-40B4-BE49-F238E27FC236}">
-                <a16:creationId xmlns:a16="http://schemas.microsoft.com/office/drawing/2014/main" id="{7F5B5782-2F5A-EBBF-934C-B85D48FE22AA}"/>
-              </a:ext>
-            </a:extLst>
-          </p:cNvPr>
-          <p:cNvSpPr txBox="1"/>
-          <p:nvPr/>
-        </p:nvSpPr>
-        <p:spPr>
-          <a:xfrm>
-            <a:off x="1476505" y="539750"/>
-            <a:ext cx="6190990" cy="646331"/>
-          </a:xfrm>
-          <a:prstGeom prst="rect">
-            <a:avLst/>
-          </a:prstGeom>
-          <a:noFill/>
-        </p:spPr>
-        <p:txBody>
-          <a:bodyPr wrap="none" rtlCol="0">
-            <a:spAutoFit/>
-          </a:bodyPr>
-          <a:lstStyle/>
-          <a:p>
-            <a:r>
-              <a:rPr lang="ro-RO" sz="3600" b="1" dirty="0">
-                <a:latin typeface="Times New Roman" panose="02020603050405020304" pitchFamily="18" charset="0"/>
-                <a:cs typeface="Times New Roman" panose="02020603050405020304" pitchFamily="18" charset="0"/>
-              </a:rPr>
-              <a:t>Diagrama de functionare ALU</a:t>
-            </a:r>
-          </a:p>
-        </p:txBody>
-      </p:sp>
     </p:spTree>
     <p:extLst>
       <p:ext uri="{BB962C8B-B14F-4D97-AF65-F5344CB8AC3E}">
